--- a/Presentation.pptx
+++ b/Presentation.pptx
@@ -13,6 +13,7 @@
     <p:sldId id="265" r:id="rId7"/>
     <p:sldId id="266" r:id="rId8"/>
     <p:sldId id="267" r:id="rId9"/>
+    <p:sldId id="268" r:id="rId10"/>
   </p:sldIdLst>
   <p:sldSz cx="12192000" cy="6858000"/>
   <p:notesSz cx="6858000" cy="9144000"/>
@@ -841,7 +842,7 @@
           <a:p>
             <a:fld id="{07959A3E-E29E-48B2-8CC1-36FA46A22305}" type="datetimeFigureOut">
               <a:rPr lang="bg-BG" smtClean="0"/>
-              <a:t>30.10.2019 г.</a:t>
+              <a:t>31.10.2019 г.</a:t>
             </a:fld>
             <a:endParaRPr lang="bg-BG"/>
           </a:p>
@@ -1092,7 +1093,7 @@
           <a:p>
             <a:fld id="{07959A3E-E29E-48B2-8CC1-36FA46A22305}" type="datetimeFigureOut">
               <a:rPr lang="bg-BG" smtClean="0"/>
-              <a:t>30.10.2019 г.</a:t>
+              <a:t>31.10.2019 г.</a:t>
             </a:fld>
             <a:endParaRPr lang="bg-BG"/>
           </a:p>
@@ -1406,7 +1407,7 @@
           <a:p>
             <a:fld id="{07959A3E-E29E-48B2-8CC1-36FA46A22305}" type="datetimeFigureOut">
               <a:rPr lang="bg-BG" smtClean="0"/>
-              <a:t>30.10.2019 г.</a:t>
+              <a:t>31.10.2019 г.</a:t>
             </a:fld>
             <a:endParaRPr lang="bg-BG"/>
           </a:p>
@@ -1747,7 +1748,7 @@
           <a:p>
             <a:fld id="{07959A3E-E29E-48B2-8CC1-36FA46A22305}" type="datetimeFigureOut">
               <a:rPr lang="bg-BG" smtClean="0"/>
-              <a:t>30.10.2019 г.</a:t>
+              <a:t>31.10.2019 г.</a:t>
             </a:fld>
             <a:endParaRPr lang="bg-BG"/>
           </a:p>
@@ -2061,7 +2062,7 @@
           <a:p>
             <a:fld id="{07959A3E-E29E-48B2-8CC1-36FA46A22305}" type="datetimeFigureOut">
               <a:rPr lang="bg-BG" smtClean="0"/>
-              <a:t>30.10.2019 г.</a:t>
+              <a:t>31.10.2019 г.</a:t>
             </a:fld>
             <a:endParaRPr lang="bg-BG"/>
           </a:p>
@@ -2454,7 +2455,7 @@
           <a:p>
             <a:fld id="{07959A3E-E29E-48B2-8CC1-36FA46A22305}" type="datetimeFigureOut">
               <a:rPr lang="bg-BG" smtClean="0"/>
-              <a:t>30.10.2019 г.</a:t>
+              <a:t>31.10.2019 г.</a:t>
             </a:fld>
             <a:endParaRPr lang="bg-BG"/>
           </a:p>
@@ -2624,7 +2625,7 @@
           <a:p>
             <a:fld id="{07959A3E-E29E-48B2-8CC1-36FA46A22305}" type="datetimeFigureOut">
               <a:rPr lang="bg-BG" smtClean="0"/>
-              <a:t>30.10.2019 г.</a:t>
+              <a:t>31.10.2019 г.</a:t>
             </a:fld>
             <a:endParaRPr lang="bg-BG"/>
           </a:p>
@@ -2804,7 +2805,7 @@
           <a:p>
             <a:fld id="{07959A3E-E29E-48B2-8CC1-36FA46A22305}" type="datetimeFigureOut">
               <a:rPr lang="bg-BG" smtClean="0"/>
-              <a:t>30.10.2019 г.</a:t>
+              <a:t>31.10.2019 г.</a:t>
             </a:fld>
             <a:endParaRPr lang="bg-BG"/>
           </a:p>
@@ -2980,7 +2981,7 @@
           <a:p>
             <a:fld id="{07959A3E-E29E-48B2-8CC1-36FA46A22305}" type="datetimeFigureOut">
               <a:rPr lang="bg-BG" smtClean="0"/>
-              <a:t>30.10.2019 г.</a:t>
+              <a:t>31.10.2019 г.</a:t>
             </a:fld>
             <a:endParaRPr lang="bg-BG"/>
           </a:p>
@@ -3227,7 +3228,7 @@
           <a:p>
             <a:fld id="{07959A3E-E29E-48B2-8CC1-36FA46A22305}" type="datetimeFigureOut">
               <a:rPr lang="bg-BG" smtClean="0"/>
-              <a:t>30.10.2019 г.</a:t>
+              <a:t>31.10.2019 г.</a:t>
             </a:fld>
             <a:endParaRPr lang="bg-BG"/>
           </a:p>
@@ -3459,7 +3460,7 @@
           <a:p>
             <a:fld id="{07959A3E-E29E-48B2-8CC1-36FA46A22305}" type="datetimeFigureOut">
               <a:rPr lang="bg-BG" smtClean="0"/>
-              <a:t>30.10.2019 г.</a:t>
+              <a:t>31.10.2019 г.</a:t>
             </a:fld>
             <a:endParaRPr lang="bg-BG"/>
           </a:p>
@@ -3833,7 +3834,7 @@
           <a:p>
             <a:fld id="{07959A3E-E29E-48B2-8CC1-36FA46A22305}" type="datetimeFigureOut">
               <a:rPr lang="bg-BG" smtClean="0"/>
-              <a:t>30.10.2019 г.</a:t>
+              <a:t>31.10.2019 г.</a:t>
             </a:fld>
             <a:endParaRPr lang="bg-BG"/>
           </a:p>
@@ -3956,7 +3957,7 @@
           <a:p>
             <a:fld id="{07959A3E-E29E-48B2-8CC1-36FA46A22305}" type="datetimeFigureOut">
               <a:rPr lang="bg-BG" smtClean="0"/>
-              <a:t>30.10.2019 г.</a:t>
+              <a:t>31.10.2019 г.</a:t>
             </a:fld>
             <a:endParaRPr lang="bg-BG"/>
           </a:p>
@@ -4051,7 +4052,7 @@
           <a:p>
             <a:fld id="{07959A3E-E29E-48B2-8CC1-36FA46A22305}" type="datetimeFigureOut">
               <a:rPr lang="bg-BG" smtClean="0"/>
-              <a:t>30.10.2019 г.</a:t>
+              <a:t>31.10.2019 г.</a:t>
             </a:fld>
             <a:endParaRPr lang="bg-BG"/>
           </a:p>
@@ -4306,7 +4307,7 @@
           <a:p>
             <a:fld id="{07959A3E-E29E-48B2-8CC1-36FA46A22305}" type="datetimeFigureOut">
               <a:rPr lang="bg-BG" smtClean="0"/>
-              <a:t>30.10.2019 г.</a:t>
+              <a:t>31.10.2019 г.</a:t>
             </a:fld>
             <a:endParaRPr lang="bg-BG"/>
           </a:p>
@@ -4569,7 +4570,7 @@
           <a:p>
             <a:fld id="{07959A3E-E29E-48B2-8CC1-36FA46A22305}" type="datetimeFigureOut">
               <a:rPr lang="bg-BG" smtClean="0"/>
-              <a:t>30.10.2019 г.</a:t>
+              <a:t>31.10.2019 г.</a:t>
             </a:fld>
             <a:endParaRPr lang="bg-BG"/>
           </a:p>
@@ -5312,7 +5313,7 @@
           <a:p>
             <a:fld id="{07959A3E-E29E-48B2-8CC1-36FA46A22305}" type="datetimeFigureOut">
               <a:rPr lang="bg-BG" smtClean="0"/>
-              <a:t>30.10.2019 г.</a:t>
+              <a:t>31.10.2019 г.</a:t>
             </a:fld>
             <a:endParaRPr lang="bg-BG"/>
           </a:p>
@@ -5892,6 +5893,18 @@
   <p:clrMapOvr>
     <a:masterClrMapping/>
   </p:clrMapOvr>
+  <mc:AlternateContent xmlns:mc="http://schemas.openxmlformats.org/markup-compatibility/2006">
+    <mc:Choice xmlns:p14="http://schemas.microsoft.com/office/powerpoint/2010/main" Requires="p14">
+      <p:transition spd="med" p14:dur="700">
+        <p:fade/>
+      </p:transition>
+    </mc:Choice>
+    <mc:Fallback>
+      <p:transition spd="med">
+        <p:fade/>
+      </p:transition>
+    </mc:Fallback>
+  </mc:AlternateContent>
   <p:timing>
     <p:tnLst>
       <p:par>
@@ -6003,6 +6016,18 @@
   <p:clrMapOvr>
     <a:masterClrMapping/>
   </p:clrMapOvr>
+  <mc:AlternateContent xmlns:mc="http://schemas.openxmlformats.org/markup-compatibility/2006">
+    <mc:Choice xmlns:p14="http://schemas.microsoft.com/office/powerpoint/2010/main" Requires="p14">
+      <p:transition spd="slow" p14:dur="1500">
+        <p:split orient="vert"/>
+      </p:transition>
+    </mc:Choice>
+    <mc:Fallback>
+      <p:transition spd="slow">
+        <p:split orient="vert"/>
+      </p:transition>
+    </mc:Fallback>
+  </mc:AlternateContent>
   <p:timing>
     <p:tnLst>
       <p:par>
@@ -6170,6 +6195,9 @@
   <p:clrMapOvr>
     <a:masterClrMapping/>
   </p:clrMapOvr>
+  <p:transition spd="slow">
+    <p:push dir="u"/>
+  </p:transition>
   <p:timing>
     <p:tnLst>
       <p:par>
@@ -6300,6 +6328,18 @@
   <p:clrMapOvr>
     <a:masterClrMapping/>
   </p:clrMapOvr>
+  <mc:AlternateContent xmlns:mc="http://schemas.openxmlformats.org/markup-compatibility/2006">
+    <mc:Choice xmlns:p14="http://schemas.microsoft.com/office/powerpoint/2010/main" Requires="p14">
+      <p:transition spd="slow" p14:dur="3400">
+        <p14:reveal/>
+      </p:transition>
+    </mc:Choice>
+    <mc:Fallback>
+      <p:transition spd="slow">
+        <p:fade/>
+      </p:transition>
+    </mc:Fallback>
+  </mc:AlternateContent>
   <p:timing>
     <p:tnLst>
       <p:par>
@@ -6375,6 +6415,30 @@
           </a:p>
         </p:txBody>
       </p:sp>
+      <p:pic>
+        <p:nvPicPr>
+          <p:cNvPr id="5" name="Picture 4"/>
+          <p:cNvPicPr>
+            <a:picLocks noChangeAspect="1"/>
+          </p:cNvPicPr>
+          <p:nvPr/>
+        </p:nvPicPr>
+        <p:blipFill>
+          <a:blip r:embed="rId2"/>
+          <a:stretch>
+            <a:fillRect/>
+          </a:stretch>
+        </p:blipFill>
+        <p:spPr>
+          <a:xfrm>
+            <a:off x="2005661" y="1844862"/>
+            <a:ext cx="8007104" cy="4512225"/>
+          </a:xfrm>
+          <a:prstGeom prst="rect">
+            <a:avLst/>
+          </a:prstGeom>
+        </p:spPr>
+      </p:pic>
     </p:spTree>
     <p:extLst>
       <p:ext uri="{BB962C8B-B14F-4D97-AF65-F5344CB8AC3E}">
@@ -6385,6 +6449,9 @@
   <p:clrMapOvr>
     <a:masterClrMapping/>
   </p:clrMapOvr>
+  <p:transition spd="med">
+    <p:pull/>
+  </p:transition>
   <p:timing>
     <p:tnLst>
       <p:par>
@@ -6514,6 +6581,18 @@
   <p:clrMapOvr>
     <a:masterClrMapping/>
   </p:clrMapOvr>
+  <mc:AlternateContent xmlns:mc="http://schemas.openxmlformats.org/markup-compatibility/2006">
+    <mc:Choice xmlns:p14="http://schemas.microsoft.com/office/powerpoint/2010/main" Requires="p14">
+      <p:transition spd="slow" p14:dur="800">
+        <p:circle/>
+      </p:transition>
+    </mc:Choice>
+    <mc:Fallback>
+      <p:transition spd="slow">
+        <p:circle/>
+      </p:transition>
+    </mc:Fallback>
+  </mc:AlternateContent>
   <p:timing>
     <p:tnLst>
       <p:par>
@@ -6609,6 +6688,9 @@
   <p:clrMapOvr>
     <a:masterClrMapping/>
   </p:clrMapOvr>
+  <p:transition spd="slow">
+    <p:cover/>
+  </p:transition>
   <p:timing>
     <p:tnLst>
       <p:par>
@@ -6742,6 +6824,112 @@
   <p:clrMapOvr>
     <a:masterClrMapping/>
   </p:clrMapOvr>
+  <p:transition spd="slow">
+    <p:randomBar dir="vert"/>
+  </p:transition>
+  <p:timing>
+    <p:tnLst>
+      <p:par>
+        <p:cTn id="1" dur="indefinite" restart="never" nodeType="tmRoot"/>
+      </p:par>
+    </p:tnLst>
+  </p:timing>
+</p:sld>
+</file>
+
+<file path=ppt/slides/slide9.xml><?xml version="1.0" encoding="utf-8"?>
+<p:sld xmlns:a="http://schemas.openxmlformats.org/drawingml/2006/main" xmlns:r="http://schemas.openxmlformats.org/officeDocument/2006/relationships" xmlns:p="http://schemas.openxmlformats.org/presentationml/2006/main">
+  <p:cSld>
+    <p:spTree>
+      <p:nvGrpSpPr>
+        <p:cNvPr id="1" name=""/>
+        <p:cNvGrpSpPr/>
+        <p:nvPr/>
+      </p:nvGrpSpPr>
+      <p:grpSpPr>
+        <a:xfrm>
+          <a:off x="0" y="0"/>
+          <a:ext cx="0" cy="0"/>
+          <a:chOff x="0" y="0"/>
+          <a:chExt cx="0" cy="0"/>
+        </a:xfrm>
+      </p:grpSpPr>
+      <p:sp>
+        <p:nvSpPr>
+          <p:cNvPr id="2" name="Title 1"/>
+          <p:cNvSpPr>
+            <a:spLocks noGrp="1"/>
+          </p:cNvSpPr>
+          <p:nvPr>
+            <p:ph type="title"/>
+          </p:nvPr>
+        </p:nvSpPr>
+        <p:spPr>
+          <a:xfrm>
+            <a:off x="677334" y="2780175"/>
+            <a:ext cx="8596668" cy="1320800"/>
+          </a:xfrm>
+        </p:spPr>
+        <p:txBody>
+          <a:bodyPr/>
+          <a:lstStyle/>
+          <a:p>
+            <a:pPr algn="ctr"/>
+            <a:r>
+              <a:rPr lang="en-US" dirty="0" smtClean="0"/>
+              <a:t>Thank you for the attention!! </a:t>
+            </a:r>
+            <a:r>
+              <a:rPr lang="en-US" dirty="0" smtClean="0">
+                <a:sym typeface="Wingdings" panose="05000000000000000000" pitchFamily="2" charset="2"/>
+              </a:rPr>
+              <a:t></a:t>
+            </a:r>
+            <a:endParaRPr lang="bg-BG" dirty="0"/>
+          </a:p>
+        </p:txBody>
+      </p:sp>
+      <p:sp>
+        <p:nvSpPr>
+          <p:cNvPr id="3" name="Content Placeholder 2"/>
+          <p:cNvSpPr>
+            <a:spLocks noGrp="1"/>
+          </p:cNvSpPr>
+          <p:nvPr>
+            <p:ph idx="1"/>
+          </p:nvPr>
+        </p:nvSpPr>
+        <p:spPr/>
+        <p:txBody>
+          <a:bodyPr/>
+          <a:lstStyle/>
+          <a:p>
+            <a:endParaRPr lang="bg-BG"/>
+          </a:p>
+        </p:txBody>
+      </p:sp>
+    </p:spTree>
+    <p:extLst>
+      <p:ext uri="{BB962C8B-B14F-4D97-AF65-F5344CB8AC3E}">
+        <p14:creationId xmlns:p14="http://schemas.microsoft.com/office/powerpoint/2010/main" val="1454780227"/>
+      </p:ext>
+    </p:extLst>
+  </p:cSld>
+  <p:clrMapOvr>
+    <a:masterClrMapping/>
+  </p:clrMapOvr>
+  <mc:AlternateContent xmlns:mc="http://schemas.openxmlformats.org/markup-compatibility/2006">
+    <mc:Choice xmlns:p14="http://schemas.microsoft.com/office/powerpoint/2010/main" Requires="p14">
+      <p:transition spd="med" p14:dur="700">
+        <p:fade/>
+      </p:transition>
+    </mc:Choice>
+    <mc:Fallback>
+      <p:transition spd="med">
+        <p:fade/>
+      </p:transition>
+    </mc:Fallback>
+  </mc:AlternateContent>
   <p:timing>
     <p:tnLst>
       <p:par>
